--- a/Udacity-5th-Session.pptx
+++ b/Udacity-5th-Session.pptx
@@ -7008,38 +7008,9 @@
           </a:p>
         </p:txBody>
       </p:sp>
-      <p:pic>
-        <p:nvPicPr>
-          <p:cNvPr id="266" name="Screen Shot 2018-11-09 at 5.09.32 PM.png" descr="Screen Shot 2018-11-09 at 5.09.32 PM.png"/>
-          <p:cNvPicPr>
-            <a:picLocks noChangeAspect="1"/>
-          </p:cNvPicPr>
-          <p:nvPr/>
-        </p:nvPicPr>
-        <p:blipFill>
-          <a:blip r:embed="rId2">
-            <a:extLst/>
-          </a:blip>
-          <a:stretch>
-            <a:fillRect/>
-          </a:stretch>
-        </p:blipFill>
-        <p:spPr>
-          <a:xfrm>
-            <a:off x="3407734" y="-1"/>
-            <a:ext cx="9616402" cy="9753601"/>
-          </a:xfrm>
-          <a:prstGeom prst="rect">
-            <a:avLst/>
-          </a:prstGeom>
-          <a:ln w="12700">
-            <a:miter lim="400000"/>
-          </a:ln>
-        </p:spPr>
-      </p:pic>
-      <p:sp>
-        <p:nvSpPr>
-          <p:cNvPr id="267" name="UDACITY"/>
+      <p:sp>
+        <p:nvSpPr>
+          <p:cNvPr id="266" name="UDACITY"/>
           <p:cNvSpPr txBox="1"/>
           <p:nvPr/>
         </p:nvSpPr>
@@ -7082,6 +7053,35 @@
           </a:p>
         </p:txBody>
       </p:sp>
+      <p:pic>
+        <p:nvPicPr>
+          <p:cNvPr id="267" name="Screen Shot 2018-11-17 at 10.27.04 AM.png" descr="Screen Shot 2018-11-17 at 10.27.04 AM.png"/>
+          <p:cNvPicPr>
+            <a:picLocks noChangeAspect="1"/>
+          </p:cNvPicPr>
+          <p:nvPr/>
+        </p:nvPicPr>
+        <p:blipFill>
+          <a:blip r:embed="rId2">
+            <a:extLst/>
+          </a:blip>
+          <a:stretch>
+            <a:fillRect/>
+          </a:stretch>
+        </p:blipFill>
+        <p:spPr>
+          <a:xfrm>
+            <a:off x="3675922" y="8466"/>
+            <a:ext cx="8587653" cy="9753601"/>
+          </a:xfrm>
+          <a:prstGeom prst="rect">
+            <a:avLst/>
+          </a:prstGeom>
+          <a:ln w="12700">
+            <a:miter lim="400000"/>
+          </a:ln>
+        </p:spPr>
+      </p:pic>
     </p:spTree>
   </p:cSld>
   <p:clrMapOvr>
@@ -7581,38 +7581,9 @@
           </a:p>
         </p:txBody>
       </p:sp>
-      <p:pic>
-        <p:nvPicPr>
-          <p:cNvPr id="281" name="Screen Shot 2018-11-09 at 5.16.52 PM.png" descr="Screen Shot 2018-11-09 at 5.16.52 PM.png"/>
-          <p:cNvPicPr>
-            <a:picLocks noChangeAspect="1"/>
-          </p:cNvPicPr>
-          <p:nvPr/>
-        </p:nvPicPr>
-        <p:blipFill>
-          <a:blip r:embed="rId2">
-            <a:extLst/>
-          </a:blip>
-          <a:stretch>
-            <a:fillRect/>
-          </a:stretch>
-        </p:blipFill>
-        <p:spPr>
-          <a:xfrm>
-            <a:off x="4093038" y="2950633"/>
-            <a:ext cx="8026401" cy="4622801"/>
-          </a:xfrm>
-          <a:prstGeom prst="rect">
-            <a:avLst/>
-          </a:prstGeom>
-          <a:ln w="12700">
-            <a:miter lim="400000"/>
-          </a:ln>
-        </p:spPr>
-      </p:pic>
-      <p:sp>
-        <p:nvSpPr>
-          <p:cNvPr id="282" name="UDACITY"/>
+      <p:sp>
+        <p:nvSpPr>
+          <p:cNvPr id="281" name="UDACITY"/>
           <p:cNvSpPr txBox="1"/>
           <p:nvPr/>
         </p:nvSpPr>
@@ -7655,6 +7626,35 @@
           </a:p>
         </p:txBody>
       </p:sp>
+      <p:pic>
+        <p:nvPicPr>
+          <p:cNvPr id="282" name="Screen Shot 2018-11-17 at 10.29.36 AM.png" descr="Screen Shot 2018-11-17 at 10.29.36 AM.png"/>
+          <p:cNvPicPr>
+            <a:picLocks noChangeAspect="1"/>
+          </p:cNvPicPr>
+          <p:nvPr/>
+        </p:nvPicPr>
+        <p:blipFill>
+          <a:blip r:embed="rId2">
+            <a:extLst/>
+          </a:blip>
+          <a:stretch>
+            <a:fillRect/>
+          </a:stretch>
+        </p:blipFill>
+        <p:spPr>
+          <a:xfrm>
+            <a:off x="4417020" y="3001433"/>
+            <a:ext cx="7670801" cy="4521201"/>
+          </a:xfrm>
+          <a:prstGeom prst="rect">
+            <a:avLst/>
+          </a:prstGeom>
+          <a:ln w="12700">
+            <a:miter lim="400000"/>
+          </a:ln>
+        </p:spPr>
+      </p:pic>
     </p:spTree>
   </p:cSld>
   <p:clrMapOvr>
@@ -8229,38 +8229,9 @@
           </a:p>
         </p:txBody>
       </p:sp>
-      <p:pic>
-        <p:nvPicPr>
-          <p:cNvPr id="298" name="Screen Shot 2018-11-09 at 5.09.32 PM.png" descr="Screen Shot 2018-11-09 at 5.09.32 PM.png"/>
-          <p:cNvPicPr>
-            <a:picLocks noChangeAspect="1"/>
-          </p:cNvPicPr>
-          <p:nvPr/>
-        </p:nvPicPr>
-        <p:blipFill>
-          <a:blip r:embed="rId2">
-            <a:extLst/>
-          </a:blip>
-          <a:stretch>
-            <a:fillRect/>
-          </a:stretch>
-        </p:blipFill>
-        <p:spPr>
-          <a:xfrm>
-            <a:off x="3407734" y="-1"/>
-            <a:ext cx="9616402" cy="9753601"/>
-          </a:xfrm>
-          <a:prstGeom prst="rect">
-            <a:avLst/>
-          </a:prstGeom>
-          <a:ln w="12700">
-            <a:miter lim="400000"/>
-          </a:ln>
-        </p:spPr>
-      </p:pic>
-      <p:sp>
-        <p:nvSpPr>
-          <p:cNvPr id="299" name="UDACITY"/>
+      <p:sp>
+        <p:nvSpPr>
+          <p:cNvPr id="298" name="UDACITY"/>
           <p:cNvSpPr txBox="1"/>
           <p:nvPr/>
         </p:nvSpPr>
@@ -8303,6 +8274,35 @@
           </a:p>
         </p:txBody>
       </p:sp>
+      <p:pic>
+        <p:nvPicPr>
+          <p:cNvPr id="299" name="Screen Shot 2018-11-17 at 10.27.04 AM.png" descr="Screen Shot 2018-11-17 at 10.27.04 AM.png"/>
+          <p:cNvPicPr>
+            <a:picLocks noChangeAspect="1"/>
+          </p:cNvPicPr>
+          <p:nvPr/>
+        </p:nvPicPr>
+        <p:blipFill>
+          <a:blip r:embed="rId2">
+            <a:extLst/>
+          </a:blip>
+          <a:stretch>
+            <a:fillRect/>
+          </a:stretch>
+        </p:blipFill>
+        <p:spPr>
+          <a:xfrm>
+            <a:off x="3675922" y="8466"/>
+            <a:ext cx="8587654" cy="9753601"/>
+          </a:xfrm>
+          <a:prstGeom prst="rect">
+            <a:avLst/>
+          </a:prstGeom>
+          <a:ln w="12700">
+            <a:miter lim="400000"/>
+          </a:ln>
+        </p:spPr>
+      </p:pic>
     </p:spTree>
   </p:cSld>
   <p:clrMapOvr>
@@ -9643,6 +9643,51 @@
             <a:pPr/>
             <a:r>
               <a:t>4. In the detailed page, we can add a founder</a:t>
+            </a:r>
+          </a:p>
+        </p:txBody>
+      </p:sp>
+      <p:sp>
+        <p:nvSpPr>
+          <p:cNvPr id="331" name="Starter code: https://github.com/iMishaDev/startup-starter"/>
+          <p:cNvSpPr txBox="1"/>
+          <p:nvPr/>
+        </p:nvSpPr>
+        <p:spPr>
+          <a:xfrm>
+            <a:off x="1549518" y="7620000"/>
+            <a:ext cx="9905764" cy="495301"/>
+          </a:xfrm>
+          <a:prstGeom prst="rect">
+            <a:avLst/>
+          </a:prstGeom>
+          <a:ln w="12700">
+            <a:miter lim="400000"/>
+          </a:ln>
+          <a:extLst>
+            <a:ext uri="{C572A759-6A51-4108-AA02-DFA0A04FC94B}">
+              <ma14:wrappingTextBoxFlag xmlns:ma14="http://schemas.microsoft.com/office/mac/drawingml/2011/main" val="1"/>
+            </a:ext>
+          </a:extLst>
+        </p:spPr>
+        <p:txBody>
+          <a:bodyPr lIns="50800" tIns="50800" rIns="50800" bIns="50800" anchor="ctr">
+            <a:spAutoFit/>
+          </a:bodyPr>
+          <a:lstStyle>
+            <a:lvl1pPr algn="l">
+              <a:defRPr b="0" sz="2600">
+                <a:latin typeface="Helvetica Light"/>
+                <a:ea typeface="Helvetica Light"/>
+                <a:cs typeface="Helvetica Light"/>
+                <a:sym typeface="Helvetica Light"/>
+              </a:defRPr>
+            </a:lvl1pPr>
+          </a:lstStyle>
+          <a:p>
+            <a:pPr/>
+            <a:r>
+              <a:t>Starter code: https://github.com/iMishaDev/startup-starter</a:t>
             </a:r>
           </a:p>
         </p:txBody>
